--- a/docs/ポーカー拡張 ワイヤーフレーム.pptx
+++ b/docs/ポーカー拡張 ワイヤーフレーム.pptx
@@ -303,7 +303,7 @@
           <a:p>
             <a:fld id="{785A0BD1-29D6-4752-A5E1-17D5BBF1E555}" type="datetimeFigureOut">
               <a:rPr kumimoji="1" lang="ja-JP" altLang="en-US" smtClean="0"/>
-              <a:t>2018/12/30</a:t>
+              <a:t>2019/1/18</a:t>
             </a:fld>
             <a:endParaRPr kumimoji="1" lang="ja-JP" altLang="en-US"/>
           </a:p>
@@ -578,7 +578,7 @@
           <a:p>
             <a:fld id="{785A0BD1-29D6-4752-A5E1-17D5BBF1E555}" type="datetimeFigureOut">
               <a:rPr kumimoji="1" lang="ja-JP" altLang="en-US" smtClean="0"/>
-              <a:t>2018/12/30</a:t>
+              <a:t>2019/1/18</a:t>
             </a:fld>
             <a:endParaRPr kumimoji="1" lang="ja-JP" altLang="en-US"/>
           </a:p>
@@ -772,7 +772,7 @@
           <a:p>
             <a:fld id="{785A0BD1-29D6-4752-A5E1-17D5BBF1E555}" type="datetimeFigureOut">
               <a:rPr kumimoji="1" lang="ja-JP" altLang="en-US" smtClean="0"/>
-              <a:t>2018/12/30</a:t>
+              <a:t>2019/1/18</a:t>
             </a:fld>
             <a:endParaRPr kumimoji="1" lang="ja-JP" altLang="en-US"/>
           </a:p>
@@ -1045,7 +1045,7 @@
           <a:p>
             <a:fld id="{785A0BD1-29D6-4752-A5E1-17D5BBF1E555}" type="datetimeFigureOut">
               <a:rPr kumimoji="1" lang="ja-JP" altLang="en-US" smtClean="0"/>
-              <a:t>2018/12/30</a:t>
+              <a:t>2019/1/18</a:t>
             </a:fld>
             <a:endParaRPr kumimoji="1" lang="ja-JP" altLang="en-US"/>
           </a:p>
@@ -1386,7 +1386,7 @@
           <a:p>
             <a:fld id="{785A0BD1-29D6-4752-A5E1-17D5BBF1E555}" type="datetimeFigureOut">
               <a:rPr kumimoji="1" lang="ja-JP" altLang="en-US" smtClean="0"/>
-              <a:t>2018/12/30</a:t>
+              <a:t>2019/1/18</a:t>
             </a:fld>
             <a:endParaRPr kumimoji="1" lang="ja-JP" altLang="en-US"/>
           </a:p>
@@ -2009,7 +2009,7 @@
           <a:p>
             <a:fld id="{785A0BD1-29D6-4752-A5E1-17D5BBF1E555}" type="datetimeFigureOut">
               <a:rPr kumimoji="1" lang="ja-JP" altLang="en-US" smtClean="0"/>
-              <a:t>2018/12/30</a:t>
+              <a:t>2019/1/18</a:t>
             </a:fld>
             <a:endParaRPr kumimoji="1" lang="ja-JP" altLang="en-US"/>
           </a:p>
@@ -2869,7 +2869,7 @@
           <a:p>
             <a:fld id="{785A0BD1-29D6-4752-A5E1-17D5BBF1E555}" type="datetimeFigureOut">
               <a:rPr kumimoji="1" lang="ja-JP" altLang="en-US" smtClean="0"/>
-              <a:t>2018/12/30</a:t>
+              <a:t>2019/1/18</a:t>
             </a:fld>
             <a:endParaRPr kumimoji="1" lang="ja-JP" altLang="en-US"/>
           </a:p>
@@ -3071,7 +3071,7 @@
           <a:p>
             <a:fld id="{785A0BD1-29D6-4752-A5E1-17D5BBF1E555}" type="datetimeFigureOut">
               <a:rPr kumimoji="1" lang="ja-JP" altLang="en-US" smtClean="0"/>
-              <a:t>2018/12/30</a:t>
+              <a:t>2019/1/18</a:t>
             </a:fld>
             <a:endParaRPr kumimoji="1" lang="ja-JP" altLang="en-US"/>
           </a:p>
@@ -3283,7 +3283,7 @@
           <a:p>
             <a:fld id="{785A0BD1-29D6-4752-A5E1-17D5BBF1E555}" type="datetimeFigureOut">
               <a:rPr kumimoji="1" lang="ja-JP" altLang="en-US" smtClean="0"/>
-              <a:t>2018/12/30</a:t>
+              <a:t>2019/1/18</a:t>
             </a:fld>
             <a:endParaRPr kumimoji="1" lang="ja-JP" altLang="en-US"/>
           </a:p>
@@ -3485,7 +3485,7 @@
           <a:p>
             <a:fld id="{785A0BD1-29D6-4752-A5E1-17D5BBF1E555}" type="datetimeFigureOut">
               <a:rPr kumimoji="1" lang="ja-JP" altLang="en-US" smtClean="0"/>
-              <a:t>2018/12/30</a:t>
+              <a:t>2019/1/18</a:t>
             </a:fld>
             <a:endParaRPr kumimoji="1" lang="ja-JP" altLang="en-US"/>
           </a:p>
@@ -3732,7 +3732,7 @@
           <a:p>
             <a:fld id="{785A0BD1-29D6-4752-A5E1-17D5BBF1E555}" type="datetimeFigureOut">
               <a:rPr kumimoji="1" lang="ja-JP" altLang="en-US" smtClean="0"/>
-              <a:t>2018/12/30</a:t>
+              <a:t>2019/1/18</a:t>
             </a:fld>
             <a:endParaRPr kumimoji="1" lang="ja-JP" altLang="en-US"/>
           </a:p>
@@ -4088,7 +4088,7 @@
           <a:p>
             <a:fld id="{785A0BD1-29D6-4752-A5E1-17D5BBF1E555}" type="datetimeFigureOut">
               <a:rPr kumimoji="1" lang="ja-JP" altLang="en-US" smtClean="0"/>
-              <a:t>2018/12/30</a:t>
+              <a:t>2019/1/18</a:t>
             </a:fld>
             <a:endParaRPr kumimoji="1" lang="ja-JP" altLang="en-US"/>
           </a:p>
@@ -4596,7 +4596,7 @@
           <a:p>
             <a:fld id="{785A0BD1-29D6-4752-A5E1-17D5BBF1E555}" type="datetimeFigureOut">
               <a:rPr kumimoji="1" lang="ja-JP" altLang="en-US" smtClean="0"/>
-              <a:t>2018/12/30</a:t>
+              <a:t>2019/1/18</a:t>
             </a:fld>
             <a:endParaRPr kumimoji="1" lang="ja-JP" altLang="en-US"/>
           </a:p>
@@ -4714,7 +4714,7 @@
           <a:p>
             <a:fld id="{785A0BD1-29D6-4752-A5E1-17D5BBF1E555}" type="datetimeFigureOut">
               <a:rPr kumimoji="1" lang="ja-JP" altLang="en-US" smtClean="0"/>
-              <a:t>2018/12/30</a:t>
+              <a:t>2019/1/18</a:t>
             </a:fld>
             <a:endParaRPr kumimoji="1" lang="ja-JP" altLang="en-US"/>
           </a:p>
@@ -4809,7 +4809,7 @@
           <a:p>
             <a:fld id="{785A0BD1-29D6-4752-A5E1-17D5BBF1E555}" type="datetimeFigureOut">
               <a:rPr kumimoji="1" lang="ja-JP" altLang="en-US" smtClean="0"/>
-              <a:t>2018/12/30</a:t>
+              <a:t>2019/1/18</a:t>
             </a:fld>
             <a:endParaRPr kumimoji="1" lang="ja-JP" altLang="en-US"/>
           </a:p>
@@ -5120,7 +5120,7 @@
           <a:p>
             <a:fld id="{785A0BD1-29D6-4752-A5E1-17D5BBF1E555}" type="datetimeFigureOut">
               <a:rPr kumimoji="1" lang="ja-JP" altLang="en-US" smtClean="0"/>
-              <a:t>2018/12/30</a:t>
+              <a:t>2019/1/18</a:t>
             </a:fld>
             <a:endParaRPr kumimoji="1" lang="ja-JP" altLang="en-US"/>
           </a:p>
@@ -5395,7 +5395,7 @@
           <a:p>
             <a:fld id="{785A0BD1-29D6-4752-A5E1-17D5BBF1E555}" type="datetimeFigureOut">
               <a:rPr kumimoji="1" lang="ja-JP" altLang="en-US" smtClean="0"/>
-              <a:t>2018/12/30</a:t>
+              <a:t>2019/1/18</a:t>
             </a:fld>
             <a:endParaRPr kumimoji="1" lang="ja-JP" altLang="en-US"/>
           </a:p>
@@ -5856,7 +5856,7 @@
           <a:p>
             <a:fld id="{785A0BD1-29D6-4752-A5E1-17D5BBF1E555}" type="datetimeFigureOut">
               <a:rPr kumimoji="1" lang="ja-JP" altLang="en-US" smtClean="0"/>
-              <a:t>2018/12/30</a:t>
+              <a:t>2019/1/18</a:t>
             </a:fld>
             <a:endParaRPr kumimoji="1" lang="ja-JP" altLang="en-US"/>
           </a:p>
@@ -6513,8 +6513,8 @@
         </p:nvSpPr>
         <p:spPr>
           <a:xfrm>
-            <a:off x="716680" y="1605613"/>
-            <a:ext cx="10189401" cy="4693228"/>
+            <a:off x="666179" y="1579586"/>
+            <a:ext cx="10189401" cy="4861298"/>
           </a:xfrm>
           <a:prstGeom prst="rect">
             <a:avLst/>
@@ -6566,7 +6566,7 @@
         </p:nvSpPr>
         <p:spPr>
           <a:xfrm>
-            <a:off x="5336136" y="5508256"/>
+            <a:off x="5642795" y="5591343"/>
             <a:ext cx="1111187" cy="498629"/>
           </a:xfrm>
           <a:prstGeom prst="rect">
@@ -6625,7 +6625,7 @@
         </p:nvSpPr>
         <p:spPr>
           <a:xfrm>
-            <a:off x="3666108" y="2978964"/>
+            <a:off x="4011799" y="3525710"/>
             <a:ext cx="3835892" cy="470516"/>
           </a:xfrm>
           <a:prstGeom prst="rect">
@@ -6684,7 +6684,7 @@
         </p:nvSpPr>
         <p:spPr>
           <a:xfrm>
-            <a:off x="3666108" y="3890599"/>
+            <a:off x="4011799" y="4192337"/>
             <a:ext cx="3835892" cy="470516"/>
           </a:xfrm>
           <a:prstGeom prst="rect">
@@ -6743,7 +6743,7 @@
         </p:nvSpPr>
         <p:spPr>
           <a:xfrm>
-            <a:off x="3666108" y="4772837"/>
+            <a:off x="4011799" y="4907458"/>
             <a:ext cx="3835892" cy="470516"/>
           </a:xfrm>
           <a:prstGeom prst="rect">
@@ -6834,7 +6834,7 @@
         </p:nvSpPr>
         <p:spPr>
           <a:xfrm>
-            <a:off x="3666108" y="1883492"/>
+            <a:off x="3842934" y="1832840"/>
             <a:ext cx="3835892" cy="470516"/>
           </a:xfrm>
           <a:prstGeom prst="rect">
@@ -6898,7 +6898,7 @@
         </p:nvSpPr>
         <p:spPr>
           <a:xfrm>
-            <a:off x="6607574" y="5508257"/>
+            <a:off x="6873152" y="5591344"/>
             <a:ext cx="1417387" cy="498629"/>
           </a:xfrm>
           <a:prstGeom prst="rect">
@@ -6940,6 +6940,121 @@
               </a:rPr>
               <a:t>キャンセル</a:t>
             </a:r>
+          </a:p>
+        </p:txBody>
+      </p:sp>
+      <p:sp>
+        <p:nvSpPr>
+          <p:cNvPr id="13" name="正方形/長方形 12">
+            <a:extLst>
+              <a:ext uri="{FF2B5EF4-FFF2-40B4-BE49-F238E27FC236}">
+                <a16:creationId xmlns:a16="http://schemas.microsoft.com/office/drawing/2014/main" id="{5F3246D8-932B-4787-8C29-C45D99592C9C}"/>
+              </a:ext>
+            </a:extLst>
+          </p:cNvPr>
+          <p:cNvSpPr/>
+          <p:nvPr/>
+        </p:nvSpPr>
+        <p:spPr>
+          <a:xfrm>
+            <a:off x="4011799" y="2618962"/>
+            <a:ext cx="3835892" cy="451345"/>
+          </a:xfrm>
+          <a:prstGeom prst="rect">
+            <a:avLst/>
+          </a:prstGeom>
+          <a:noFill/>
+          <a:ln>
+            <a:solidFill>
+              <a:schemeClr val="bg1"/>
+            </a:solidFill>
+          </a:ln>
+        </p:spPr>
+        <p:style>
+          <a:lnRef idx="2">
+            <a:schemeClr val="accent1">
+              <a:shade val="50000"/>
+            </a:schemeClr>
+          </a:lnRef>
+          <a:fillRef idx="1">
+            <a:schemeClr val="accent1"/>
+          </a:fillRef>
+          <a:effectRef idx="0">
+            <a:schemeClr val="accent1"/>
+          </a:effectRef>
+          <a:fontRef idx="minor">
+            <a:schemeClr val="lt1"/>
+          </a:fontRef>
+        </p:style>
+        <p:txBody>
+          <a:bodyPr rtlCol="0" anchor="ctr"/>
+          <a:lstStyle/>
+          <a:p>
+            <a:pPr algn="ctr"/>
+            <a:r>
+              <a:rPr kumimoji="1" lang="ja-JP" altLang="en-US" dirty="0">
+                <a:solidFill>
+                  <a:schemeClr val="bg1"/>
+                </a:solidFill>
+              </a:rPr>
+              <a:t>エラーメッセージ</a:t>
+            </a:r>
+          </a:p>
+        </p:txBody>
+      </p:sp>
+      <p:sp>
+        <p:nvSpPr>
+          <p:cNvPr id="14" name="正方形/長方形 13">
+            <a:extLst>
+              <a:ext uri="{FF2B5EF4-FFF2-40B4-BE49-F238E27FC236}">
+                <a16:creationId xmlns:a16="http://schemas.microsoft.com/office/drawing/2014/main" id="{B166D600-8DF5-4CE1-8BF7-73F09581343A}"/>
+              </a:ext>
+            </a:extLst>
+          </p:cNvPr>
+          <p:cNvSpPr/>
+          <p:nvPr/>
+        </p:nvSpPr>
+        <p:spPr>
+          <a:xfrm>
+            <a:off x="3449782" y="3283526"/>
+            <a:ext cx="4959927" cy="2923309"/>
+          </a:xfrm>
+          <a:prstGeom prst="rect">
+            <a:avLst/>
+          </a:prstGeom>
+          <a:noFill/>
+          <a:ln>
+            <a:solidFill>
+              <a:schemeClr val="bg1"/>
+            </a:solidFill>
+          </a:ln>
+        </p:spPr>
+        <p:style>
+          <a:lnRef idx="2">
+            <a:schemeClr val="accent1">
+              <a:shade val="50000"/>
+            </a:schemeClr>
+          </a:lnRef>
+          <a:fillRef idx="1">
+            <a:schemeClr val="accent1"/>
+          </a:fillRef>
+          <a:effectRef idx="0">
+            <a:schemeClr val="accent1"/>
+          </a:effectRef>
+          <a:fontRef idx="minor">
+            <a:schemeClr val="lt1"/>
+          </a:fontRef>
+        </p:style>
+        <p:txBody>
+          <a:bodyPr rtlCol="0" anchor="ctr"/>
+          <a:lstStyle/>
+          <a:p>
+            <a:pPr algn="ctr"/>
+            <a:endParaRPr kumimoji="1" lang="ja-JP" altLang="en-US" dirty="0">
+              <a:solidFill>
+                <a:schemeClr val="bg1"/>
+              </a:solidFill>
+            </a:endParaRPr>
           </a:p>
         </p:txBody>
       </p:sp>
@@ -7015,7 +7130,7 @@
         </p:nvSpPr>
         <p:spPr>
           <a:xfrm>
-            <a:off x="894234" y="1596736"/>
+            <a:off x="847939" y="1531586"/>
             <a:ext cx="10189401" cy="4693228"/>
           </a:xfrm>
           <a:prstGeom prst="rect">
@@ -7047,7 +7162,7 @@
           <a:lstStyle/>
           <a:p>
             <a:pPr algn="ctr"/>
-            <a:endParaRPr kumimoji="1" lang="ja-JP" altLang="en-US"/>
+            <a:endParaRPr kumimoji="1" lang="ja-JP" altLang="en-US" dirty="0"/>
           </a:p>
         </p:txBody>
       </p:sp>
@@ -7065,7 +7180,7 @@
         </p:nvSpPr>
         <p:spPr>
           <a:xfrm>
-            <a:off x="7159470" y="4562873"/>
+            <a:off x="7159469" y="4707753"/>
             <a:ext cx="1111187" cy="498629"/>
           </a:xfrm>
           <a:prstGeom prst="rect">
@@ -7124,7 +7239,7 @@
         </p:nvSpPr>
         <p:spPr>
           <a:xfrm>
-            <a:off x="3879172" y="3018633"/>
+            <a:off x="3879171" y="3407684"/>
             <a:ext cx="3835892" cy="470516"/>
           </a:xfrm>
           <a:prstGeom prst="rect">
@@ -7247,7 +7362,7 @@
         </p:nvSpPr>
         <p:spPr>
           <a:xfrm>
-            <a:off x="3879172" y="3892595"/>
+            <a:off x="3879171" y="4071266"/>
             <a:ext cx="3835892" cy="470516"/>
           </a:xfrm>
           <a:prstGeom prst="rect">
@@ -7306,7 +7421,7 @@
         </p:nvSpPr>
         <p:spPr>
           <a:xfrm>
-            <a:off x="3781518" y="5475082"/>
+            <a:off x="3879171" y="5517931"/>
             <a:ext cx="3835892" cy="470516"/>
           </a:xfrm>
           <a:prstGeom prst="rect">
@@ -7349,6 +7464,121 @@
               <a:t>ユーザー登録画面へのリンク</a:t>
             </a:r>
             <a:endParaRPr kumimoji="1" lang="en-US" altLang="ja-JP" dirty="0">
+              <a:solidFill>
+                <a:schemeClr val="bg1"/>
+              </a:solidFill>
+            </a:endParaRPr>
+          </a:p>
+        </p:txBody>
+      </p:sp>
+      <p:sp>
+        <p:nvSpPr>
+          <p:cNvPr id="12" name="正方形/長方形 11">
+            <a:extLst>
+              <a:ext uri="{FF2B5EF4-FFF2-40B4-BE49-F238E27FC236}">
+                <a16:creationId xmlns:a16="http://schemas.microsoft.com/office/drawing/2014/main" id="{92414006-AE6D-46CE-B930-1A4C88734004}"/>
+              </a:ext>
+            </a:extLst>
+          </p:cNvPr>
+          <p:cNvSpPr/>
+          <p:nvPr/>
+        </p:nvSpPr>
+        <p:spPr>
+          <a:xfrm>
+            <a:off x="3781518" y="2586109"/>
+            <a:ext cx="3835892" cy="451345"/>
+          </a:xfrm>
+          <a:prstGeom prst="rect">
+            <a:avLst/>
+          </a:prstGeom>
+          <a:noFill/>
+          <a:ln>
+            <a:solidFill>
+              <a:schemeClr val="bg1"/>
+            </a:solidFill>
+          </a:ln>
+        </p:spPr>
+        <p:style>
+          <a:lnRef idx="2">
+            <a:schemeClr val="accent1">
+              <a:shade val="50000"/>
+            </a:schemeClr>
+          </a:lnRef>
+          <a:fillRef idx="1">
+            <a:schemeClr val="accent1"/>
+          </a:fillRef>
+          <a:effectRef idx="0">
+            <a:schemeClr val="accent1"/>
+          </a:effectRef>
+          <a:fontRef idx="minor">
+            <a:schemeClr val="lt1"/>
+          </a:fontRef>
+        </p:style>
+        <p:txBody>
+          <a:bodyPr rtlCol="0" anchor="ctr"/>
+          <a:lstStyle/>
+          <a:p>
+            <a:pPr algn="ctr"/>
+            <a:r>
+              <a:rPr kumimoji="1" lang="ja-JP" altLang="en-US" dirty="0">
+                <a:solidFill>
+                  <a:schemeClr val="bg1"/>
+                </a:solidFill>
+              </a:rPr>
+              <a:t>エラーメッセージ</a:t>
+            </a:r>
+          </a:p>
+        </p:txBody>
+      </p:sp>
+      <p:sp>
+        <p:nvSpPr>
+          <p:cNvPr id="13" name="正方形/長方形 12">
+            <a:extLst>
+              <a:ext uri="{FF2B5EF4-FFF2-40B4-BE49-F238E27FC236}">
+                <a16:creationId xmlns:a16="http://schemas.microsoft.com/office/drawing/2014/main" id="{974DCF66-5D67-4F83-AF30-9383933D0305}"/>
+              </a:ext>
+            </a:extLst>
+          </p:cNvPr>
+          <p:cNvSpPr/>
+          <p:nvPr/>
+        </p:nvSpPr>
+        <p:spPr>
+          <a:xfrm>
+            <a:off x="3449782" y="3172691"/>
+            <a:ext cx="4959927" cy="2153723"/>
+          </a:xfrm>
+          <a:prstGeom prst="rect">
+            <a:avLst/>
+          </a:prstGeom>
+          <a:noFill/>
+          <a:ln>
+            <a:solidFill>
+              <a:schemeClr val="bg1"/>
+            </a:solidFill>
+          </a:ln>
+        </p:spPr>
+        <p:style>
+          <a:lnRef idx="2">
+            <a:schemeClr val="accent1">
+              <a:shade val="50000"/>
+            </a:schemeClr>
+          </a:lnRef>
+          <a:fillRef idx="1">
+            <a:schemeClr val="accent1"/>
+          </a:fillRef>
+          <a:effectRef idx="0">
+            <a:schemeClr val="accent1"/>
+          </a:effectRef>
+          <a:fontRef idx="minor">
+            <a:schemeClr val="lt1"/>
+          </a:fontRef>
+        </p:style>
+        <p:txBody>
+          <a:bodyPr rtlCol="0" anchor="ctr"/>
+          <a:lstStyle/>
+          <a:p>
+            <a:pPr algn="ctr"/>
+            <a:endParaRPr kumimoji="1" lang="ja-JP" altLang="en-US" dirty="0">
               <a:solidFill>
                 <a:schemeClr val="bg1"/>
               </a:solidFill>
@@ -8108,7 +8338,7 @@
         </p:nvSpPr>
         <p:spPr>
           <a:xfrm>
-            <a:off x="894234" y="1596736"/>
+            <a:off x="1001299" y="1635538"/>
             <a:ext cx="10189401" cy="4693228"/>
           </a:xfrm>
           <a:prstGeom prst="rect">
@@ -8158,8 +8388,8 @@
         </p:nvSpPr>
         <p:spPr>
           <a:xfrm>
-            <a:off x="3763577" y="3549884"/>
-            <a:ext cx="3977566" cy="776796"/>
+            <a:off x="3902122" y="4091050"/>
+            <a:ext cx="3977566" cy="643586"/>
           </a:xfrm>
           <a:prstGeom prst="rect">
             <a:avLst/>
@@ -8217,7 +8447,7 @@
         </p:nvSpPr>
         <p:spPr>
           <a:xfrm>
-            <a:off x="3763577" y="2915447"/>
+            <a:off x="3781061" y="2299348"/>
             <a:ext cx="3835892" cy="470516"/>
           </a:xfrm>
           <a:prstGeom prst="rect">
@@ -8279,7 +8509,7 @@
         </p:nvSpPr>
         <p:spPr>
           <a:xfrm>
-            <a:off x="7043875" y="4725859"/>
+            <a:off x="7185548" y="4877146"/>
             <a:ext cx="1111187" cy="498629"/>
           </a:xfrm>
           <a:prstGeom prst="rect">
@@ -8320,6 +8550,124 @@
                 </a:solidFill>
               </a:rPr>
               <a:t>ベット</a:t>
+            </a:r>
+          </a:p>
+        </p:txBody>
+      </p:sp>
+      <p:sp>
+        <p:nvSpPr>
+          <p:cNvPr id="9" name="正方形/長方形 8">
+            <a:extLst>
+              <a:ext uri="{FF2B5EF4-FFF2-40B4-BE49-F238E27FC236}">
+                <a16:creationId xmlns:a16="http://schemas.microsoft.com/office/drawing/2014/main" id="{C7B19BA5-E3D9-435F-9212-543456EBAD1C}"/>
+              </a:ext>
+            </a:extLst>
+          </p:cNvPr>
+          <p:cNvSpPr/>
+          <p:nvPr/>
+        </p:nvSpPr>
+        <p:spPr>
+          <a:xfrm>
+            <a:off x="3902122" y="3458517"/>
+            <a:ext cx="3977566" cy="451345"/>
+          </a:xfrm>
+          <a:prstGeom prst="rect">
+            <a:avLst/>
+          </a:prstGeom>
+          <a:noFill/>
+          <a:ln>
+            <a:solidFill>
+              <a:schemeClr val="bg1"/>
+            </a:solidFill>
+          </a:ln>
+        </p:spPr>
+        <p:style>
+          <a:lnRef idx="2">
+            <a:schemeClr val="accent1">
+              <a:shade val="50000"/>
+            </a:schemeClr>
+          </a:lnRef>
+          <a:fillRef idx="1">
+            <a:schemeClr val="accent1"/>
+          </a:fillRef>
+          <a:effectRef idx="0">
+            <a:schemeClr val="accent1"/>
+          </a:effectRef>
+          <a:fontRef idx="minor">
+            <a:schemeClr val="lt1"/>
+          </a:fontRef>
+        </p:style>
+        <p:txBody>
+          <a:bodyPr rtlCol="0" anchor="ctr"/>
+          <a:lstStyle/>
+          <a:p>
+            <a:pPr algn="ctr"/>
+            <a:r>
+              <a:rPr kumimoji="1" lang="ja-JP" altLang="en-US" dirty="0">
+                <a:solidFill>
+                  <a:schemeClr val="bg1"/>
+                </a:solidFill>
+              </a:rPr>
+              <a:t>所持金情報</a:t>
+            </a:r>
+          </a:p>
+        </p:txBody>
+      </p:sp>
+      <p:sp>
+        <p:nvSpPr>
+          <p:cNvPr id="11" name="正方形/長方形 10">
+            <a:extLst>
+              <a:ext uri="{FF2B5EF4-FFF2-40B4-BE49-F238E27FC236}">
+                <a16:creationId xmlns:a16="http://schemas.microsoft.com/office/drawing/2014/main" id="{B170F4DC-E2BB-4227-A61C-37F86DF6DA66}"/>
+              </a:ext>
+            </a:extLst>
+          </p:cNvPr>
+          <p:cNvSpPr/>
+          <p:nvPr/>
+        </p:nvSpPr>
+        <p:spPr>
+          <a:xfrm>
+            <a:off x="3902122" y="2820532"/>
+            <a:ext cx="3977565" cy="451345"/>
+          </a:xfrm>
+          <a:prstGeom prst="rect">
+            <a:avLst/>
+          </a:prstGeom>
+          <a:noFill/>
+          <a:ln>
+            <a:solidFill>
+              <a:schemeClr val="bg1"/>
+            </a:solidFill>
+          </a:ln>
+        </p:spPr>
+        <p:style>
+          <a:lnRef idx="2">
+            <a:schemeClr val="accent1">
+              <a:shade val="50000"/>
+            </a:schemeClr>
+          </a:lnRef>
+          <a:fillRef idx="1">
+            <a:schemeClr val="accent1"/>
+          </a:fillRef>
+          <a:effectRef idx="0">
+            <a:schemeClr val="accent1"/>
+          </a:effectRef>
+          <a:fontRef idx="minor">
+            <a:schemeClr val="lt1"/>
+          </a:fontRef>
+        </p:style>
+        <p:txBody>
+          <a:bodyPr rtlCol="0" anchor="ctr"/>
+          <a:lstStyle/>
+          <a:p>
+            <a:pPr algn="ctr"/>
+            <a:r>
+              <a:rPr kumimoji="1" lang="ja-JP" altLang="en-US" dirty="0">
+                <a:solidFill>
+                  <a:schemeClr val="bg1"/>
+                </a:solidFill>
+              </a:rPr>
+              <a:t>エラーメッセージ</a:t>
             </a:r>
           </a:p>
         </p:txBody>
